--- a/Protein Loop Structure Prediction.pptx
+++ b/Protein Loop Structure Prediction.pptx
@@ -204,7 +204,8 @@
           <a:p>
             <a:fld id="{5D7BD044-5FDD-4271-85A0-7A36EE5CC8B2}" type="datetimeFigureOut">
               <a:rPr lang="en-US" smtClean="0"/>
-              <a:t>11/12/2013</a:t>
+              <a:pPr/>
+              <a:t>2013/11/13</a:t>
             </a:fld>
             <a:endParaRPr lang="en-US"/>
           </a:p>
@@ -363,6 +364,7 @@
           <a:p>
             <a:fld id="{5658CA52-7231-4F00-88EB-0F7D2CD9AC92}" type="slidenum">
               <a:rPr lang="en-US" smtClean="0"/>
+              <a:pPr/>
               <a:t>‹#›</a:t>
             </a:fld>
             <a:endParaRPr lang="en-US"/>
@@ -372,7 +374,7 @@
     </p:spTree>
     <p:extLst>
       <p:ext uri="{BB962C8B-B14F-4D97-AF65-F5344CB8AC3E}">
-        <p14:creationId xmlns:p14="http://schemas.microsoft.com/office/powerpoint/2010/main" val="3165535689"/>
+        <p14:creationId xmlns:p14="http://schemas.microsoft.com/office/powerpoint/2010/main" xmlns="" val="3165535689"/>
       </p:ext>
     </p:extLst>
   </p:cSld>
@@ -541,6 +543,7 @@
           <a:p>
             <a:fld id="{5658CA52-7231-4F00-88EB-0F7D2CD9AC92}" type="slidenum">
               <a:rPr lang="en-US" smtClean="0"/>
+              <a:pPr/>
               <a:t>12</a:t>
             </a:fld>
             <a:endParaRPr lang="en-US"/>
@@ -550,7 +553,7 @@
     </p:spTree>
     <p:extLst>
       <p:ext uri="{BB962C8B-B14F-4D97-AF65-F5344CB8AC3E}">
-        <p14:creationId xmlns:p14="http://schemas.microsoft.com/office/powerpoint/2010/main" val="2157104462"/>
+        <p14:creationId xmlns:p14="http://schemas.microsoft.com/office/powerpoint/2010/main" xmlns="" val="2157104462"/>
       </p:ext>
     </p:extLst>
   </p:cSld>
@@ -3317,7 +3320,8 @@
           <a:p>
             <a:fld id="{B5E8A9B9-36E4-4010-81B1-BADA7B8C50A0}" type="datetimeFigureOut">
               <a:rPr lang="en-US" smtClean="0"/>
-              <a:t>11/12/2013</a:t>
+              <a:pPr/>
+              <a:t>2013/11/13</a:t>
             </a:fld>
             <a:endParaRPr lang="en-US"/>
           </a:p>
@@ -3433,6 +3437,7 @@
           <a:p>
             <a:fld id="{1F465CEF-2D7C-4C42-8449-8A870D855661}" type="slidenum">
               <a:rPr lang="en-US" smtClean="0"/>
+              <a:pPr/>
               <a:t>‹#›</a:t>
             </a:fld>
             <a:endParaRPr lang="en-US"/>
@@ -3602,7 +3607,8 @@
           <a:p>
             <a:fld id="{B5E8A9B9-36E4-4010-81B1-BADA7B8C50A0}" type="datetimeFigureOut">
               <a:rPr lang="en-US" smtClean="0"/>
-              <a:t>11/12/2013</a:t>
+              <a:pPr/>
+              <a:t>2013/11/13</a:t>
             </a:fld>
             <a:endParaRPr lang="en-US"/>
           </a:p>
@@ -3644,6 +3650,7 @@
           <a:p>
             <a:fld id="{1F465CEF-2D7C-4C42-8449-8A870D855661}" type="slidenum">
               <a:rPr lang="en-US" smtClean="0"/>
+              <a:pPr/>
               <a:t>‹#›</a:t>
             </a:fld>
             <a:endParaRPr lang="en-US"/>
@@ -3777,7 +3784,8 @@
           <a:p>
             <a:fld id="{B5E8A9B9-36E4-4010-81B1-BADA7B8C50A0}" type="datetimeFigureOut">
               <a:rPr lang="en-US" smtClean="0"/>
-              <a:t>11/12/2013</a:t>
+              <a:pPr/>
+              <a:t>2013/11/13</a:t>
             </a:fld>
             <a:endParaRPr lang="en-US"/>
           </a:p>
@@ -3819,6 +3827,7 @@
           <a:p>
             <a:fld id="{1F465CEF-2D7C-4C42-8449-8A870D855661}" type="slidenum">
               <a:rPr lang="en-US" smtClean="0"/>
+              <a:pPr/>
               <a:t>‹#›</a:t>
             </a:fld>
             <a:endParaRPr lang="en-US"/>
@@ -3942,7 +3951,8 @@
           <a:p>
             <a:fld id="{B5E8A9B9-36E4-4010-81B1-BADA7B8C50A0}" type="datetimeFigureOut">
               <a:rPr lang="en-US" smtClean="0"/>
-              <a:t>11/12/2013</a:t>
+              <a:pPr/>
+              <a:t>2013/11/13</a:t>
             </a:fld>
             <a:endParaRPr lang="en-US"/>
           </a:p>
@@ -3984,6 +3994,7 @@
           <a:p>
             <a:fld id="{1F465CEF-2D7C-4C42-8449-8A870D855661}" type="slidenum">
               <a:rPr lang="en-US" smtClean="0"/>
+              <a:pPr/>
               <a:t>‹#›</a:t>
             </a:fld>
             <a:endParaRPr lang="en-US"/>
@@ -4183,7 +4194,8 @@
           <a:p>
             <a:fld id="{B5E8A9B9-36E4-4010-81B1-BADA7B8C50A0}" type="datetimeFigureOut">
               <a:rPr lang="en-US" smtClean="0"/>
-              <a:t>11/12/2013</a:t>
+              <a:pPr/>
+              <a:t>2013/11/13</a:t>
             </a:fld>
             <a:endParaRPr lang="en-US"/>
           </a:p>
@@ -4225,6 +4237,7 @@
           <a:p>
             <a:fld id="{1F465CEF-2D7C-4C42-8449-8A870D855661}" type="slidenum">
               <a:rPr lang="en-US" smtClean="0"/>
+              <a:pPr/>
               <a:t>‹#›</a:t>
             </a:fld>
             <a:endParaRPr lang="en-US"/>
@@ -4296,7 +4309,8 @@
           <a:p>
             <a:fld id="{B5E8A9B9-36E4-4010-81B1-BADA7B8C50A0}" type="datetimeFigureOut">
               <a:rPr lang="en-US" smtClean="0"/>
-              <a:t>11/12/2013</a:t>
+              <a:pPr/>
+              <a:t>2013/11/13</a:t>
             </a:fld>
             <a:endParaRPr lang="en-US"/>
           </a:p>
@@ -4338,6 +4352,7 @@
           <a:p>
             <a:fld id="{1F465CEF-2D7C-4C42-8449-8A870D855661}" type="slidenum">
               <a:rPr lang="en-US" smtClean="0"/>
+              <a:pPr/>
               <a:t>‹#›</a:t>
             </a:fld>
             <a:endParaRPr lang="en-US"/>
@@ -4835,7 +4850,8 @@
           <a:p>
             <a:fld id="{B5E8A9B9-36E4-4010-81B1-BADA7B8C50A0}" type="datetimeFigureOut">
               <a:rPr lang="en-US" smtClean="0"/>
-              <a:t>11/12/2013</a:t>
+              <a:pPr/>
+              <a:t>2013/11/13</a:t>
             </a:fld>
             <a:endParaRPr lang="en-US"/>
           </a:p>
@@ -4877,6 +4893,7 @@
           <a:p>
             <a:fld id="{1F465CEF-2D7C-4C42-8449-8A870D855661}" type="slidenum">
               <a:rPr lang="en-US" smtClean="0"/>
+              <a:pPr/>
               <a:t>‹#›</a:t>
             </a:fld>
             <a:endParaRPr lang="en-US"/>
@@ -4948,7 +4965,8 @@
           <a:p>
             <a:fld id="{B5E8A9B9-36E4-4010-81B1-BADA7B8C50A0}" type="datetimeFigureOut">
               <a:rPr lang="en-US" smtClean="0"/>
-              <a:t>11/12/2013</a:t>
+              <a:pPr/>
+              <a:t>2013/11/13</a:t>
             </a:fld>
             <a:endParaRPr lang="en-US"/>
           </a:p>
@@ -4990,6 +5008,7 @@
           <a:p>
             <a:fld id="{1F465CEF-2D7C-4C42-8449-8A870D855661}" type="slidenum">
               <a:rPr lang="en-US" smtClean="0"/>
+              <a:pPr/>
               <a:t>‹#›</a:t>
             </a:fld>
             <a:endParaRPr lang="en-US"/>
@@ -5038,7 +5057,8 @@
           <a:p>
             <a:fld id="{B5E8A9B9-36E4-4010-81B1-BADA7B8C50A0}" type="datetimeFigureOut">
               <a:rPr lang="en-US" smtClean="0"/>
-              <a:t>11/12/2013</a:t>
+              <a:pPr/>
+              <a:t>2013/11/13</a:t>
             </a:fld>
             <a:endParaRPr lang="en-US"/>
           </a:p>
@@ -5080,6 +5100,7 @@
           <a:p>
             <a:fld id="{1F465CEF-2D7C-4C42-8449-8A870D855661}" type="slidenum">
               <a:rPr lang="en-US" smtClean="0"/>
+              <a:pPr/>
               <a:t>‹#›</a:t>
             </a:fld>
             <a:endParaRPr lang="en-US"/>
@@ -7689,7 +7710,8 @@
           <a:p>
             <a:fld id="{B5E8A9B9-36E4-4010-81B1-BADA7B8C50A0}" type="datetimeFigureOut">
               <a:rPr lang="en-US" smtClean="0"/>
-              <a:t>11/12/2013</a:t>
+              <a:pPr/>
+              <a:t>2013/11/13</a:t>
             </a:fld>
             <a:endParaRPr lang="en-US"/>
           </a:p>
@@ -7712,6 +7734,7 @@
           <a:p>
             <a:fld id="{1F465CEF-2D7C-4C42-8449-8A870D855661}" type="slidenum">
               <a:rPr lang="en-US" smtClean="0"/>
+              <a:pPr/>
               <a:t>‹#›</a:t>
             </a:fld>
             <a:endParaRPr lang="en-US"/>
@@ -10901,7 +10924,8 @@
           <a:p>
             <a:fld id="{B5E8A9B9-36E4-4010-81B1-BADA7B8C50A0}" type="datetimeFigureOut">
               <a:rPr lang="en-US" smtClean="0"/>
-              <a:t>11/12/2013</a:t>
+              <a:pPr/>
+              <a:t>2013/11/13</a:t>
             </a:fld>
             <a:endParaRPr lang="en-US"/>
           </a:p>
@@ -10950,6 +10974,7 @@
           <a:p>
             <a:fld id="{1F465CEF-2D7C-4C42-8449-8A870D855661}" type="slidenum">
               <a:rPr lang="en-US" smtClean="0"/>
+              <a:pPr/>
               <a:t>‹#›</a:t>
             </a:fld>
             <a:endParaRPr lang="en-US"/>
@@ -13723,7 +13748,8 @@
           <a:p>
             <a:fld id="{B5E8A9B9-36E4-4010-81B1-BADA7B8C50A0}" type="datetimeFigureOut">
               <a:rPr lang="en-US" smtClean="0"/>
-              <a:t>11/12/2013</a:t>
+              <a:pPr/>
+              <a:t>2013/11/13</a:t>
             </a:fld>
             <a:endParaRPr lang="en-US"/>
           </a:p>
@@ -13797,6 +13823,7 @@
           <a:p>
             <a:fld id="{1F465CEF-2D7C-4C42-8449-8A870D855661}" type="slidenum">
               <a:rPr lang="en-US" smtClean="0"/>
+              <a:pPr/>
               <a:t>‹#›</a:t>
             </a:fld>
             <a:endParaRPr lang="en-US"/>
@@ -14237,7 +14264,7 @@
     </p:spTree>
     <p:extLst>
       <p:ext uri="{BB962C8B-B14F-4D97-AF65-F5344CB8AC3E}">
-        <p14:creationId xmlns:p14="http://schemas.microsoft.com/office/powerpoint/2010/main" val="3972832679"/>
+        <p14:creationId xmlns:p14="http://schemas.microsoft.com/office/powerpoint/2010/main" xmlns="" val="3972832679"/>
       </p:ext>
     </p:extLst>
   </p:cSld>
@@ -14412,11 +14439,7 @@
           <a:p>
             <a:r>
               <a:rPr lang="en-US" sz="1200" dirty="0" smtClean="0"/>
-              <a:t>Image: http</a:t>
-            </a:r>
-            <a:r>
-              <a:rPr lang="en-US" sz="1200" dirty="0" smtClean="0"/>
-              <a:t>://www.csee.umbc.edu/~rheingan/435/pages/res/gen-8.Viewing-single-page-0.html</a:t>
+              <a:t>Image: http://www.csee.umbc.edu/~rheingan/435/pages/res/gen-8.Viewing-single-page-0.html</a:t>
             </a:r>
             <a:endParaRPr lang="en-US" sz="1200" dirty="0"/>
           </a:p>
@@ -14455,7 +14478,7 @@
     </p:spTree>
     <p:extLst>
       <p:ext uri="{BB962C8B-B14F-4D97-AF65-F5344CB8AC3E}">
-        <p14:creationId xmlns:p14="http://schemas.microsoft.com/office/powerpoint/2010/main" val="2165739129"/>
+        <p14:creationId xmlns:p14="http://schemas.microsoft.com/office/powerpoint/2010/main" xmlns="" val="2165739129"/>
       </p:ext>
     </p:extLst>
   </p:cSld>
@@ -14489,61 +14512,6 @@
           <a:chExt cx="0" cy="0"/>
         </a:xfrm>
       </p:grpSpPr>
-      <p:sp>
-        <p:nvSpPr>
-          <p:cNvPr id="2" name="Title 1"/>
-          <p:cNvSpPr>
-            <a:spLocks noGrp="1"/>
-          </p:cNvSpPr>
-          <p:nvPr>
-            <p:ph type="title"/>
-          </p:nvPr>
-        </p:nvSpPr>
-        <p:spPr>
-          <a:xfrm>
-            <a:off x="1066800" y="914400"/>
-            <a:ext cx="7024744" cy="801136"/>
-          </a:xfrm>
-        </p:spPr>
-        <p:txBody>
-          <a:bodyPr/>
-          <a:lstStyle/>
-          <a:p>
-            <a:r>
-              <a:rPr lang="en-US" dirty="0" smtClean="0"/>
-              <a:t>Loop Structure alignment</a:t>
-            </a:r>
-            <a:endParaRPr lang="en-US" dirty="0"/>
-          </a:p>
-        </p:txBody>
-      </p:sp>
-      <p:sp>
-        <p:nvSpPr>
-          <p:cNvPr id="3" name="Content Placeholder 2"/>
-          <p:cNvSpPr>
-            <a:spLocks noGrp="1"/>
-          </p:cNvSpPr>
-          <p:nvPr>
-            <p:ph idx="1"/>
-          </p:nvPr>
-        </p:nvSpPr>
-        <p:spPr>
-          <a:xfrm>
-            <a:off x="1030941" y="1752601"/>
-            <a:ext cx="6777317" cy="457200"/>
-          </a:xfrm>
-        </p:spPr>
-        <p:txBody>
-          <a:bodyPr/>
-          <a:lstStyle/>
-          <a:p>
-            <a:r>
-              <a:rPr lang="en-US" dirty="0" smtClean="0"/>
-              <a:t>So how does that relate to loops?</a:t>
-            </a:r>
-          </a:p>
-        </p:txBody>
-      </p:sp>
       <p:grpSp>
         <p:nvGrpSpPr>
           <p:cNvPr id="36" name="Group 35"/>
@@ -16233,10 +16201,66 @@
           </p:sp>
         </p:grpSp>
       </p:grpSp>
+      <p:sp>
+        <p:nvSpPr>
+          <p:cNvPr id="39" name="Title 1"/>
+          <p:cNvSpPr>
+            <a:spLocks noGrp="1"/>
+          </p:cNvSpPr>
+          <p:nvPr>
+            <p:ph type="title"/>
+          </p:nvPr>
+        </p:nvSpPr>
+        <p:spPr>
+          <a:xfrm>
+            <a:off x="1043490" y="762000"/>
+            <a:ext cx="7024744" cy="724936"/>
+          </a:xfrm>
+        </p:spPr>
+        <p:txBody>
+          <a:bodyPr/>
+          <a:lstStyle/>
+          <a:p>
+            <a:r>
+              <a:rPr lang="en-US" dirty="0" smtClean="0"/>
+              <a:t>Loop structure alignment</a:t>
+            </a:r>
+            <a:endParaRPr lang="en-US" dirty="0"/>
+          </a:p>
+        </p:txBody>
+      </p:sp>
+      <p:sp>
+        <p:nvSpPr>
+          <p:cNvPr id="40" name="Content Placeholder 2"/>
+          <p:cNvSpPr>
+            <a:spLocks noGrp="1"/>
+          </p:cNvSpPr>
+          <p:nvPr>
+            <p:ph idx="1"/>
+          </p:nvPr>
+        </p:nvSpPr>
+        <p:spPr>
+          <a:xfrm>
+            <a:off x="1043492" y="1676400"/>
+            <a:ext cx="6777317" cy="4191000"/>
+          </a:xfrm>
+        </p:spPr>
+        <p:txBody>
+          <a:bodyPr/>
+          <a:lstStyle/>
+          <a:p>
+            <a:r>
+              <a:rPr lang="en-US" dirty="0" smtClean="0"/>
+              <a:t>So how does that relate to loops?</a:t>
+            </a:r>
+            <a:endParaRPr lang="en-US" dirty="0"/>
+          </a:p>
+        </p:txBody>
+      </p:sp>
     </p:spTree>
     <p:extLst>
       <p:ext uri="{BB962C8B-B14F-4D97-AF65-F5344CB8AC3E}">
-        <p14:creationId xmlns:p14="http://schemas.microsoft.com/office/powerpoint/2010/main" val="860492797"/>
+        <p14:creationId xmlns:p14="http://schemas.microsoft.com/office/powerpoint/2010/main" xmlns="" val="860492797"/>
       </p:ext>
     </p:extLst>
   </p:cSld>
@@ -16264,14 +16288,140 @@
                             </p:stCondLst>
                             <p:childTnLst>
                               <p:par>
-                                <p:cTn id="5" presetID="56" presetClass="path" presetSubtype="0" accel="50000" decel="50000" fill="hold" nodeType="clickEffect">
+                                <p:cTn id="5" presetID="1" presetClass="entr" presetSubtype="0" fill="hold" nodeType="clickEffect">
+                                  <p:stCondLst>
+                                    <p:cond delay="0"/>
+                                  </p:stCondLst>
+                                  <p:childTnLst>
+                                    <p:set>
+                                      <p:cBhvr>
+                                        <p:cTn id="6" dur="1" fill="hold">
+                                          <p:stCondLst>
+                                            <p:cond delay="0"/>
+                                          </p:stCondLst>
+                                        </p:cTn>
+                                        <p:tgtEl>
+                                          <p:spTgt spid="36"/>
+                                        </p:tgtEl>
+                                        <p:attrNameLst>
+                                          <p:attrName>style.visibility</p:attrName>
+                                        </p:attrNameLst>
+                                      </p:cBhvr>
+                                      <p:to>
+                                        <p:strVal val="visible"/>
+                                      </p:to>
+                                    </p:set>
+                                  </p:childTnLst>
+                                </p:cTn>
+                              </p:par>
+                              <p:par>
+                                <p:cTn id="7" presetID="1" presetClass="entr" presetSubtype="0" fill="hold" nodeType="withEffect">
+                                  <p:stCondLst>
+                                    <p:cond delay="0"/>
+                                  </p:stCondLst>
+                                  <p:childTnLst>
+                                    <p:set>
+                                      <p:cBhvr>
+                                        <p:cTn id="8" dur="1" fill="hold">
+                                          <p:stCondLst>
+                                            <p:cond delay="0"/>
+                                          </p:stCondLst>
+                                        </p:cTn>
+                                        <p:tgtEl>
+                                          <p:spTgt spid="34"/>
+                                        </p:tgtEl>
+                                        <p:attrNameLst>
+                                          <p:attrName>style.visibility</p:attrName>
+                                        </p:attrNameLst>
+                                      </p:cBhvr>
+                                      <p:to>
+                                        <p:strVal val="visible"/>
+                                      </p:to>
+                                    </p:set>
+                                  </p:childTnLst>
+                                </p:cTn>
+                              </p:par>
+                              <p:par>
+                                <p:cTn id="9" presetID="1" presetClass="entr" presetSubtype="0" fill="hold" nodeType="withEffect">
+                                  <p:stCondLst>
+                                    <p:cond delay="0"/>
+                                  </p:stCondLst>
+                                  <p:childTnLst>
+                                    <p:set>
+                                      <p:cBhvr>
+                                        <p:cTn id="10" dur="1" fill="hold">
+                                          <p:stCondLst>
+                                            <p:cond delay="0"/>
+                                          </p:stCondLst>
+                                        </p:cTn>
+                                        <p:tgtEl>
+                                          <p:spTgt spid="24"/>
+                                        </p:tgtEl>
+                                        <p:attrNameLst>
+                                          <p:attrName>style.visibility</p:attrName>
+                                        </p:attrNameLst>
+                                      </p:cBhvr>
+                                      <p:to>
+                                        <p:strVal val="visible"/>
+                                      </p:to>
+                                    </p:set>
+                                  </p:childTnLst>
+                                </p:cTn>
+                              </p:par>
+                              <p:par>
+                                <p:cTn id="11" presetID="1" presetClass="entr" presetSubtype="0" fill="hold" nodeType="withEffect">
+                                  <p:stCondLst>
+                                    <p:cond delay="0"/>
+                                  </p:stCondLst>
+                                  <p:childTnLst>
+                                    <p:set>
+                                      <p:cBhvr>
+                                        <p:cTn id="12" dur="1" fill="hold">
+                                          <p:stCondLst>
+                                            <p:cond delay="0"/>
+                                          </p:stCondLst>
+                                        </p:cTn>
+                                        <p:tgtEl>
+                                          <p:spTgt spid="27"/>
+                                        </p:tgtEl>
+                                        <p:attrNameLst>
+                                          <p:attrName>style.visibility</p:attrName>
+                                        </p:attrNameLst>
+                                      </p:cBhvr>
+                                      <p:to>
+                                        <p:strVal val="visible"/>
+                                      </p:to>
+                                    </p:set>
+                                  </p:childTnLst>
+                                </p:cTn>
+                              </p:par>
+                            </p:childTnLst>
+                          </p:cTn>
+                        </p:par>
+                      </p:childTnLst>
+                    </p:cTn>
+                  </p:par>
+                  <p:par>
+                    <p:cTn id="13" fill="hold">
+                      <p:stCondLst>
+                        <p:cond delay="indefinite"/>
+                      </p:stCondLst>
+                      <p:childTnLst>
+                        <p:par>
+                          <p:cTn id="14" fill="hold">
+                            <p:stCondLst>
+                              <p:cond delay="0"/>
+                            </p:stCondLst>
+                            <p:childTnLst>
+                              <p:par>
+                                <p:cTn id="15" presetID="56" presetClass="path" presetSubtype="0" accel="50000" decel="50000" fill="hold" nodeType="clickEffect">
                                   <p:stCondLst>
                                     <p:cond delay="0"/>
                                   </p:stCondLst>
                                   <p:childTnLst>
                                     <p:animMotion origin="layout" path="M -2.5E-6 -1.86676E-6 L 0.27761 0.36364 " pathEditMode="relative" rAng="0" ptsTypes="AA">
                                       <p:cBhvr>
-                                        <p:cTn id="6" dur="2000" fill="hold"/>
+                                        <p:cTn id="16" dur="2000" fill="hold"/>
                                         <p:tgtEl>
                                           <p:spTgt spid="36"/>
                                         </p:tgtEl>
@@ -16286,14 +16436,14 @@
                                 </p:cTn>
                               </p:par>
                               <p:par>
-                                <p:cTn id="7" presetID="8" presetClass="emph" presetSubtype="0" fill="hold" nodeType="withEffect">
+                                <p:cTn id="17" presetID="8" presetClass="emph" presetSubtype="0" fill="hold" nodeType="withEffect">
                                   <p:stCondLst>
                                     <p:cond delay="0"/>
                                   </p:stCondLst>
                                   <p:childTnLst>
                                     <p:animRot by="2100000">
                                       <p:cBhvr>
-                                        <p:cTn id="8" dur="2000" fill="hold"/>
+                                        <p:cTn id="18" dur="2000" fill="hold"/>
                                         <p:tgtEl>
                                           <p:spTgt spid="36"/>
                                         </p:tgtEl>
@@ -16312,26 +16462,26 @@
                     </p:cTn>
                   </p:par>
                   <p:par>
-                    <p:cTn id="9" fill="hold">
+                    <p:cTn id="19" fill="hold">
                       <p:stCondLst>
                         <p:cond delay="indefinite"/>
                       </p:stCondLst>
                       <p:childTnLst>
                         <p:par>
-                          <p:cTn id="10" fill="hold">
+                          <p:cTn id="20" fill="hold">
                             <p:stCondLst>
                               <p:cond delay="0"/>
                             </p:stCondLst>
                             <p:childTnLst>
                               <p:par>
-                                <p:cTn id="11" presetID="0" presetClass="path" presetSubtype="0" accel="50000" decel="50000" fill="hold" nodeType="clickEffect">
+                                <p:cTn id="21" presetID="0" presetClass="path" presetSubtype="0" accel="50000" decel="50000" fill="hold" nodeType="clickEffect">
                                   <p:stCondLst>
                                     <p:cond delay="0"/>
                                   </p:stCondLst>
                                   <p:childTnLst>
                                     <p:animMotion origin="layout" path="M 8.33333E-7 -6.93963E-9 L -0.25156 0.28105 " pathEditMode="relative" rAng="0" ptsTypes="AA">
                                       <p:cBhvr>
-                                        <p:cTn id="12" dur="2000" fill="hold"/>
+                                        <p:cTn id="22" dur="2000" fill="hold"/>
                                         <p:tgtEl>
                                           <p:spTgt spid="34"/>
                                         </p:tgtEl>
@@ -16346,14 +16496,14 @@
                                 </p:cTn>
                               </p:par>
                               <p:par>
-                                <p:cTn id="13" presetID="8" presetClass="emph" presetSubtype="0" fill="hold" nodeType="withEffect">
+                                <p:cTn id="23" presetID="8" presetClass="emph" presetSubtype="0" fill="hold" nodeType="withEffect">
                                   <p:stCondLst>
                                     <p:cond delay="0"/>
                                   </p:stCondLst>
                                   <p:childTnLst>
                                     <p:animRot by="-900000">
                                       <p:cBhvr>
-                                        <p:cTn id="14" dur="2000" fill="hold"/>
+                                        <p:cTn id="24" dur="2000" fill="hold"/>
                                         <p:tgtEl>
                                           <p:spTgt spid="34"/>
                                         </p:tgtEl>
@@ -16425,7 +16575,7 @@
         </p:nvSpPr>
         <p:spPr>
           <a:xfrm>
-            <a:off x="1043490" y="1027664"/>
+            <a:off x="1043490" y="762000"/>
             <a:ext cx="7024744" cy="724936"/>
           </a:xfrm>
         </p:spPr>
@@ -16451,15 +16601,44 @@
             <p:ph idx="1"/>
           </p:nvPr>
         </p:nvSpPr>
-        <p:spPr/>
+        <p:spPr>
+          <a:xfrm>
+            <a:off x="1043492" y="1676400"/>
+            <a:ext cx="6777317" cy="4191000"/>
+          </a:xfrm>
+        </p:spPr>
         <p:txBody>
-          <a:bodyPr/>
+          <a:bodyPr>
+            <a:normAutofit/>
+          </a:bodyPr>
           <a:lstStyle/>
           <a:p>
             <a:r>
               <a:rPr lang="en-US" dirty="0" smtClean="0"/>
-              <a:t>By transforming both loops to align with the origin, we can compare them with a simple distance metrics, like RMSD</a:t>
-            </a:r>
+              <a:t>So how does that relate to loops?</a:t>
+            </a:r>
+          </a:p>
+          <a:p>
+            <a:r>
+              <a:rPr lang="en-US" dirty="0" smtClean="0"/>
+              <a:t>By </a:t>
+            </a:r>
+            <a:r>
+              <a:rPr lang="en-US" dirty="0" smtClean="0"/>
+              <a:t>transforming both loops to align with the origin, we can compare </a:t>
+            </a:r>
+            <a:r>
+              <a:rPr lang="en-US" dirty="0" smtClean="0"/>
+              <a:t>the individual atoms with a simple distance metric, like RMSD</a:t>
+            </a:r>
+          </a:p>
+          <a:p>
+            <a:r>
+              <a:rPr lang="en-US" dirty="0" smtClean="0"/>
+              <a:t>Transformations allow us to simplify the problem by only considering relative position instead of absolute</a:t>
+            </a:r>
+          </a:p>
+          <a:p>
             <a:endParaRPr lang="en-US" dirty="0"/>
           </a:p>
         </p:txBody>
@@ -16467,7 +16646,7 @@
     </p:spTree>
     <p:extLst>
       <p:ext uri="{BB962C8B-B14F-4D97-AF65-F5344CB8AC3E}">
-        <p14:creationId xmlns:p14="http://schemas.microsoft.com/office/powerpoint/2010/main" val="471421360"/>
+        <p14:creationId xmlns:p14="http://schemas.microsoft.com/office/powerpoint/2010/main" xmlns="" val="471421360"/>
       </p:ext>
     </p:extLst>
   </p:cSld>
@@ -16993,7 +17172,7 @@
     </p:spTree>
     <p:extLst>
       <p:ext uri="{BB962C8B-B14F-4D97-AF65-F5344CB8AC3E}">
-        <p14:creationId xmlns:p14="http://schemas.microsoft.com/office/powerpoint/2010/main" val="3802404770"/>
+        <p14:creationId xmlns:p14="http://schemas.microsoft.com/office/powerpoint/2010/main" xmlns="" val="3802404770"/>
       </p:ext>
     </p:extLst>
   </p:cSld>
@@ -17156,7 +17335,7 @@
     </p:spTree>
     <p:extLst>
       <p:ext uri="{BB962C8B-B14F-4D97-AF65-F5344CB8AC3E}">
-        <p14:creationId xmlns:p14="http://schemas.microsoft.com/office/powerpoint/2010/main" val="3113822050"/>
+        <p14:creationId xmlns:p14="http://schemas.microsoft.com/office/powerpoint/2010/main" xmlns="" val="3113822050"/>
       </p:ext>
     </p:extLst>
   </p:cSld>
@@ -17337,7 +17516,7 @@
     </p:spTree>
     <p:extLst>
       <p:ext uri="{BB962C8B-B14F-4D97-AF65-F5344CB8AC3E}">
-        <p14:creationId xmlns:p14="http://schemas.microsoft.com/office/powerpoint/2010/main" val="3758485310"/>
+        <p14:creationId xmlns:p14="http://schemas.microsoft.com/office/powerpoint/2010/main" xmlns="" val="3758485310"/>
       </p:ext>
     </p:extLst>
   </p:cSld>
@@ -17486,7 +17665,7 @@
     </p:spTree>
     <p:extLst>
       <p:ext uri="{BB962C8B-B14F-4D97-AF65-F5344CB8AC3E}">
-        <p14:creationId xmlns:p14="http://schemas.microsoft.com/office/powerpoint/2010/main" val="715728066"/>
+        <p14:creationId xmlns:p14="http://schemas.microsoft.com/office/powerpoint/2010/main" xmlns="" val="715728066"/>
       </p:ext>
     </p:extLst>
   </p:cSld>
@@ -17646,11 +17825,7 @@
             </a:r>
             <a:r>
               <a:rPr lang="en-US" sz="2000" dirty="0" smtClean="0"/>
-              <a:t>structure</a:t>
-            </a:r>
-            <a:r>
-              <a:rPr lang="en-US" sz="2000" dirty="0" smtClean="0"/>
-              <a:t>.</a:t>
+              <a:t>structure.</a:t>
             </a:r>
             <a:endParaRPr lang="en-US" sz="2000" dirty="0"/>
           </a:p>
@@ -17765,7 +17940,7 @@
     </p:spTree>
     <p:extLst>
       <p:ext uri="{BB962C8B-B14F-4D97-AF65-F5344CB8AC3E}">
-        <p14:creationId xmlns:p14="http://schemas.microsoft.com/office/powerpoint/2010/main" val="2627519069"/>
+        <p14:creationId xmlns:p14="http://schemas.microsoft.com/office/powerpoint/2010/main" xmlns="" val="2627519069"/>
       </p:ext>
     </p:extLst>
   </p:cSld>
@@ -17934,13 +18109,20 @@
     </p:spTree>
     <p:extLst>
       <p:ext uri="{BB962C8B-B14F-4D97-AF65-F5344CB8AC3E}">
-        <p14:creationId xmlns:p14="http://schemas.microsoft.com/office/powerpoint/2010/main" val="195136819"/>
+        <p14:creationId xmlns:p14="http://schemas.microsoft.com/office/powerpoint/2010/main" xmlns="" val="195136819"/>
       </p:ext>
     </p:extLst>
   </p:cSld>
   <p:clrMapOvr>
     <a:masterClrMapping/>
   </p:clrMapOvr>
+  <p:timing>
+    <p:tnLst>
+      <p:par>
+        <p:cTn id="1" dur="indefinite" restart="never" nodeType="tmRoot"/>
+      </p:par>
+    </p:tnLst>
+  </p:timing>
 </p:sld>
 </file>
 
@@ -18064,7 +18246,7 @@
     </p:spTree>
     <p:extLst>
       <p:ext uri="{BB962C8B-B14F-4D97-AF65-F5344CB8AC3E}">
-        <p14:creationId xmlns:p14="http://schemas.microsoft.com/office/powerpoint/2010/main" val="3863779390"/>
+        <p14:creationId xmlns:p14="http://schemas.microsoft.com/office/powerpoint/2010/main" xmlns="" val="3863779390"/>
       </p:ext>
     </p:extLst>
   </p:cSld>
@@ -18203,7 +18385,15 @@
             <a:pPr lvl="2"/>
             <a:r>
               <a:rPr lang="en-US" dirty="0" smtClean="0"/>
-              <a:t>We align the loops then compare with RMSD</a:t>
+              <a:t>We </a:t>
+            </a:r>
+            <a:r>
+              <a:rPr lang="en-US" dirty="0" smtClean="0"/>
+              <a:t>align the loops then compare with </a:t>
+            </a:r>
+            <a:r>
+              <a:rPr lang="en-US" dirty="0" smtClean="0"/>
+              <a:t>RMSD</a:t>
             </a:r>
             <a:endParaRPr lang="en-US" dirty="0"/>
           </a:p>
@@ -18212,7 +18402,7 @@
     </p:spTree>
     <p:extLst>
       <p:ext uri="{BB962C8B-B14F-4D97-AF65-F5344CB8AC3E}">
-        <p14:creationId xmlns:p14="http://schemas.microsoft.com/office/powerpoint/2010/main" val="695259840"/>
+        <p14:creationId xmlns:p14="http://schemas.microsoft.com/office/powerpoint/2010/main" xmlns="" val="695259840"/>
       </p:ext>
     </p:extLst>
   </p:cSld>
@@ -19971,7 +20161,7 @@
     </p:spTree>
     <p:extLst>
       <p:ext uri="{BB962C8B-B14F-4D97-AF65-F5344CB8AC3E}">
-        <p14:creationId xmlns:p14="http://schemas.microsoft.com/office/powerpoint/2010/main" val="875551656"/>
+        <p14:creationId xmlns:p14="http://schemas.microsoft.com/office/powerpoint/2010/main" xmlns="" val="875551656"/>
       </p:ext>
     </p:extLst>
   </p:cSld>
